--- a/orig_doc/CPU_Arch/reference_rvc_asap/Hazards_5_stage_pipline.pptx
+++ b/orig_doc/CPU_Arch/reference_rvc_asap/Hazards_5_stage_pipline.pptx
@@ -139,14 +139,6 @@
     </p:extLst>
   </p:cmAuthor>
 </p:cmAuthorLst>
-</file>
-
-<file path=ppt/revisionInfo.xml><?xml version="1.0" encoding="utf-8"?>
-<p1510:revInfo xmlns:a="http://schemas.openxmlformats.org/drawingml/2006/main" xmlns:r="http://schemas.openxmlformats.org/officeDocument/2006/relationships" xmlns:p1510="http://schemas.microsoft.com/office/powerpoint/2015/10/main">
-  <p1510:revLst>
-    <p1510:client id="{BC6916B6-CFB1-4DEB-960F-203DCC84EBF6}" v="1" dt="2022-05-12T15:43:45.603"/>
-  </p1510:revLst>
-</p1510:revInfo>
 </file>
 
 <file path=ppt/changesInfos/changesInfo1.xml><?xml version="1.0" encoding="utf-8"?>
@@ -734,6 +726,30 @@
             <ac:inkMk id="3" creationId="{1327157E-901F-4219-A4C9-F9DE3BA7BE3D}"/>
           </ac:inkMkLst>
         </pc:inkChg>
+      </pc:sldChg>
+    </pc:docChg>
+  </pc:docChgLst>
+  <pc:docChgLst>
+    <pc:chgData name="Amichai Ben David" userId="effe4c4b-4611-44ab-9d6b-f44045953326" providerId="ADAL" clId="{4CB7A81E-1E0D-496D-A10C-5ABDC05BB5ED}"/>
+    <pc:docChg chg="modSld">
+      <pc:chgData name="Amichai Ben David" userId="effe4c4b-4611-44ab-9d6b-f44045953326" providerId="ADAL" clId="{4CB7A81E-1E0D-496D-A10C-5ABDC05BB5ED}" dt="2023-08-21T05:11:40.928" v="0" actId="1076"/>
+      <pc:docMkLst>
+        <pc:docMk/>
+      </pc:docMkLst>
+      <pc:sldChg chg="modSp mod">
+        <pc:chgData name="Amichai Ben David" userId="effe4c4b-4611-44ab-9d6b-f44045953326" providerId="ADAL" clId="{4CB7A81E-1E0D-496D-A10C-5ABDC05BB5ED}" dt="2023-08-21T05:11:40.928" v="0" actId="1076"/>
+        <pc:sldMkLst>
+          <pc:docMk/>
+          <pc:sldMk cId="1528748951" sldId="302"/>
+        </pc:sldMkLst>
+        <pc:picChg chg="mod">
+          <ac:chgData name="Amichai Ben David" userId="effe4c4b-4611-44ab-9d6b-f44045953326" providerId="ADAL" clId="{4CB7A81E-1E0D-496D-A10C-5ABDC05BB5ED}" dt="2023-08-21T05:11:40.928" v="0" actId="1076"/>
+          <ac:picMkLst>
+            <pc:docMk/>
+            <pc:sldMk cId="1528748951" sldId="302"/>
+            <ac:picMk id="8" creationId="{BE42C36B-7DE9-431F-B59C-E9E82D6975E4}"/>
+          </ac:picMkLst>
+        </pc:picChg>
       </pc:sldChg>
     </pc:docChg>
   </pc:docChgLst>
@@ -1900,7 +1916,7 @@
           <a:p>
             <a:fld id="{CDDE755E-6F70-4054-B40A-8E5E66582425}" type="datetimeFigureOut">
               <a:rPr lang="en-IL" smtClean="0"/>
-              <a:t>12/05/2022</a:t>
+              <a:t>21/08/2023</a:t>
             </a:fld>
             <a:endParaRPr lang="en-IL"/>
           </a:p>
@@ -2100,7 +2116,7 @@
           <a:p>
             <a:fld id="{CDDE755E-6F70-4054-B40A-8E5E66582425}" type="datetimeFigureOut">
               <a:rPr lang="en-IL" smtClean="0"/>
-              <a:t>12/05/2022</a:t>
+              <a:t>21/08/2023</a:t>
             </a:fld>
             <a:endParaRPr lang="en-IL"/>
           </a:p>
@@ -2310,7 +2326,7 @@
           <a:p>
             <a:fld id="{CDDE755E-6F70-4054-B40A-8E5E66582425}" type="datetimeFigureOut">
               <a:rPr lang="en-IL" smtClean="0"/>
-              <a:t>12/05/2022</a:t>
+              <a:t>21/08/2023</a:t>
             </a:fld>
             <a:endParaRPr lang="en-IL"/>
           </a:p>
@@ -2510,7 +2526,7 @@
           <a:p>
             <a:fld id="{CDDE755E-6F70-4054-B40A-8E5E66582425}" type="datetimeFigureOut">
               <a:rPr lang="en-IL" smtClean="0"/>
-              <a:t>12/05/2022</a:t>
+              <a:t>21/08/2023</a:t>
             </a:fld>
             <a:endParaRPr lang="en-IL"/>
           </a:p>
@@ -2786,7 +2802,7 @@
           <a:p>
             <a:fld id="{CDDE755E-6F70-4054-B40A-8E5E66582425}" type="datetimeFigureOut">
               <a:rPr lang="en-IL" smtClean="0"/>
-              <a:t>12/05/2022</a:t>
+              <a:t>21/08/2023</a:t>
             </a:fld>
             <a:endParaRPr lang="en-IL"/>
           </a:p>
@@ -3054,7 +3070,7 @@
           <a:p>
             <a:fld id="{CDDE755E-6F70-4054-B40A-8E5E66582425}" type="datetimeFigureOut">
               <a:rPr lang="en-IL" smtClean="0"/>
-              <a:t>12/05/2022</a:t>
+              <a:t>21/08/2023</a:t>
             </a:fld>
             <a:endParaRPr lang="en-IL"/>
           </a:p>
@@ -3469,7 +3485,7 @@
           <a:p>
             <a:fld id="{CDDE755E-6F70-4054-B40A-8E5E66582425}" type="datetimeFigureOut">
               <a:rPr lang="en-IL" smtClean="0"/>
-              <a:t>12/05/2022</a:t>
+              <a:t>21/08/2023</a:t>
             </a:fld>
             <a:endParaRPr lang="en-IL"/>
           </a:p>
@@ -3611,7 +3627,7 @@
           <a:p>
             <a:fld id="{CDDE755E-6F70-4054-B40A-8E5E66582425}" type="datetimeFigureOut">
               <a:rPr lang="en-IL" smtClean="0"/>
-              <a:t>12/05/2022</a:t>
+              <a:t>21/08/2023</a:t>
             </a:fld>
             <a:endParaRPr lang="en-IL"/>
           </a:p>
@@ -3724,7 +3740,7 @@
           <a:p>
             <a:fld id="{CDDE755E-6F70-4054-B40A-8E5E66582425}" type="datetimeFigureOut">
               <a:rPr lang="en-IL" smtClean="0"/>
-              <a:t>12/05/2022</a:t>
+              <a:t>21/08/2023</a:t>
             </a:fld>
             <a:endParaRPr lang="en-IL"/>
           </a:p>
@@ -4037,7 +4053,7 @@
           <a:p>
             <a:fld id="{CDDE755E-6F70-4054-B40A-8E5E66582425}" type="datetimeFigureOut">
               <a:rPr lang="en-IL" smtClean="0"/>
-              <a:t>12/05/2022</a:t>
+              <a:t>21/08/2023</a:t>
             </a:fld>
             <a:endParaRPr lang="en-IL"/>
           </a:p>
@@ -4326,7 +4342,7 @@
           <a:p>
             <a:fld id="{CDDE755E-6F70-4054-B40A-8E5E66582425}" type="datetimeFigureOut">
               <a:rPr lang="en-IL" smtClean="0"/>
-              <a:t>12/05/2022</a:t>
+              <a:t>21/08/2023</a:t>
             </a:fld>
             <a:endParaRPr lang="en-IL"/>
           </a:p>
@@ -4569,7 +4585,7 @@
           <a:p>
             <a:fld id="{CDDE755E-6F70-4054-B40A-8E5E66582425}" type="datetimeFigureOut">
               <a:rPr lang="en-IL" smtClean="0"/>
-              <a:t>12/05/2022</a:t>
+              <a:t>21/08/2023</a:t>
             </a:fld>
             <a:endParaRPr lang="en-IL"/>
           </a:p>
@@ -5366,8 +5382,8 @@
           </a:prstGeom>
         </p:spPr>
       </p:pic>
-      <mc:AlternateContent xmlns:mc="http://schemas.openxmlformats.org/markup-compatibility/2006">
-        <mc:Choice xmlns:p14="http://schemas.microsoft.com/office/powerpoint/2010/main" Requires="p14">
+      <mc:AlternateContent xmlns:mc="http://schemas.openxmlformats.org/markup-compatibility/2006" xmlns:p14="http://schemas.microsoft.com/office/powerpoint/2010/main">
+        <mc:Choice Requires="p14">
           <p:contentPart p14:bwMode="auto" r:id="rId7">
             <p14:nvContentPartPr>
               <p14:cNvPr id="11" name="Ink 10">
@@ -5386,7 +5402,7 @@
             </p14:xfrm>
           </p:contentPart>
         </mc:Choice>
-        <mc:Fallback>
+        <mc:Fallback xmlns="">
           <p:pic>
             <p:nvPicPr>
               <p:cNvPr id="11" name="Ink 10">
@@ -5417,8 +5433,8 @@
           </p:pic>
         </mc:Fallback>
       </mc:AlternateContent>
-      <mc:AlternateContent xmlns:mc="http://schemas.openxmlformats.org/markup-compatibility/2006">
-        <mc:Choice xmlns:p14="http://schemas.microsoft.com/office/powerpoint/2010/main" Requires="p14">
+      <mc:AlternateContent xmlns:mc="http://schemas.openxmlformats.org/markup-compatibility/2006" xmlns:p14="http://schemas.microsoft.com/office/powerpoint/2010/main">
+        <mc:Choice Requires="p14">
           <p:contentPart p14:bwMode="auto" r:id="rId9">
             <p14:nvContentPartPr>
               <p14:cNvPr id="14" name="Ink 13">
@@ -5437,7 +5453,7 @@
             </p14:xfrm>
           </p:contentPart>
         </mc:Choice>
-        <mc:Fallback>
+        <mc:Fallback xmlns="">
           <p:pic>
             <p:nvPicPr>
               <p:cNvPr id="14" name="Ink 13">
@@ -5468,8 +5484,8 @@
           </p:pic>
         </mc:Fallback>
       </mc:AlternateContent>
-      <mc:AlternateContent xmlns:mc="http://schemas.openxmlformats.org/markup-compatibility/2006">
-        <mc:Choice xmlns:p14="http://schemas.microsoft.com/office/powerpoint/2010/main" Requires="p14">
+      <mc:AlternateContent xmlns:mc="http://schemas.openxmlformats.org/markup-compatibility/2006" xmlns:p14="http://schemas.microsoft.com/office/powerpoint/2010/main">
+        <mc:Choice Requires="p14">
           <p:contentPart p14:bwMode="auto" r:id="rId11">
             <p14:nvContentPartPr>
               <p14:cNvPr id="15" name="Ink 14">
@@ -5488,7 +5504,7 @@
             </p14:xfrm>
           </p:contentPart>
         </mc:Choice>
-        <mc:Fallback>
+        <mc:Fallback xmlns="">
           <p:pic>
             <p:nvPicPr>
               <p:cNvPr id="15" name="Ink 14">
@@ -5519,8 +5535,8 @@
           </p:pic>
         </mc:Fallback>
       </mc:AlternateContent>
-      <mc:AlternateContent xmlns:mc="http://schemas.openxmlformats.org/markup-compatibility/2006">
-        <mc:Choice xmlns:p14="http://schemas.microsoft.com/office/powerpoint/2010/main" Requires="p14">
+      <mc:AlternateContent xmlns:mc="http://schemas.openxmlformats.org/markup-compatibility/2006" xmlns:p14="http://schemas.microsoft.com/office/powerpoint/2010/main">
+        <mc:Choice Requires="p14">
           <p:contentPart p14:bwMode="auto" r:id="rId13">
             <p14:nvContentPartPr>
               <p14:cNvPr id="16" name="Ink 15">
@@ -5539,7 +5555,7 @@
             </p14:xfrm>
           </p:contentPart>
         </mc:Choice>
-        <mc:Fallback>
+        <mc:Fallback xmlns="">
           <p:pic>
             <p:nvPicPr>
               <p:cNvPr id="16" name="Ink 15">
@@ -5570,8 +5586,8 @@
           </p:pic>
         </mc:Fallback>
       </mc:AlternateContent>
-      <mc:AlternateContent xmlns:mc="http://schemas.openxmlformats.org/markup-compatibility/2006">
-        <mc:Choice xmlns:p14="http://schemas.microsoft.com/office/powerpoint/2010/main" Requires="p14">
+      <mc:AlternateContent xmlns:mc="http://schemas.openxmlformats.org/markup-compatibility/2006" xmlns:p14="http://schemas.microsoft.com/office/powerpoint/2010/main">
+        <mc:Choice Requires="p14">
           <p:contentPart p14:bwMode="auto" r:id="rId15">
             <p14:nvContentPartPr>
               <p14:cNvPr id="17" name="Ink 16">
@@ -5590,7 +5606,7 @@
             </p14:xfrm>
           </p:contentPart>
         </mc:Choice>
-        <mc:Fallback>
+        <mc:Fallback xmlns="">
           <p:pic>
             <p:nvPicPr>
               <p:cNvPr id="17" name="Ink 16">
@@ -5641,8 +5657,8 @@
             <a:chExt cx="3747240" cy="296640"/>
           </a:xfrm>
         </p:grpSpPr>
-        <mc:AlternateContent xmlns:mc="http://schemas.openxmlformats.org/markup-compatibility/2006">
-          <mc:Choice xmlns:p14="http://schemas.microsoft.com/office/powerpoint/2010/main" Requires="p14">
+        <mc:AlternateContent xmlns:mc="http://schemas.openxmlformats.org/markup-compatibility/2006" xmlns:p14="http://schemas.microsoft.com/office/powerpoint/2010/main">
+          <mc:Choice Requires="p14">
             <p:contentPart p14:bwMode="auto" r:id="rId17">
               <p14:nvContentPartPr>
                 <p14:cNvPr id="18" name="Ink 17">
@@ -5661,7 +5677,7 @@
               </p14:xfrm>
             </p:contentPart>
           </mc:Choice>
-          <mc:Fallback>
+          <mc:Fallback xmlns="">
             <p:pic>
               <p:nvPicPr>
                 <p:cNvPr id="18" name="Ink 17">
@@ -5692,8 +5708,8 @@
             </p:pic>
           </mc:Fallback>
         </mc:AlternateContent>
-        <mc:AlternateContent xmlns:mc="http://schemas.openxmlformats.org/markup-compatibility/2006">
-          <mc:Choice xmlns:p14="http://schemas.microsoft.com/office/powerpoint/2010/main" Requires="p14">
+        <mc:AlternateContent xmlns:mc="http://schemas.openxmlformats.org/markup-compatibility/2006" xmlns:p14="http://schemas.microsoft.com/office/powerpoint/2010/main">
+          <mc:Choice Requires="p14">
             <p:contentPart p14:bwMode="auto" r:id="rId19">
               <p14:nvContentPartPr>
                 <p14:cNvPr id="19" name="Ink 18">
@@ -5712,7 +5728,7 @@
               </p14:xfrm>
             </p:contentPart>
           </mc:Choice>
-          <mc:Fallback>
+          <mc:Fallback xmlns="">
             <p:pic>
               <p:nvPicPr>
                 <p:cNvPr id="19" name="Ink 18">
@@ -8251,7 +8267,7 @@
         </p:blipFill>
         <p:spPr>
           <a:xfrm>
-            <a:off x="1423109" y="5425750"/>
+            <a:off x="1804460" y="4972546"/>
             <a:ext cx="1443718" cy="233265"/>
           </a:xfrm>
           <a:prstGeom prst="rect">
@@ -11012,8 +11028,8 @@
           </a:prstGeom>
         </p:spPr>
       </p:pic>
-      <mc:AlternateContent xmlns:mc="http://schemas.openxmlformats.org/markup-compatibility/2006">
-        <mc:Choice xmlns:p14="http://schemas.microsoft.com/office/powerpoint/2010/main" Requires="p14">
+      <mc:AlternateContent xmlns:mc="http://schemas.openxmlformats.org/markup-compatibility/2006" xmlns:p14="http://schemas.microsoft.com/office/powerpoint/2010/main">
+        <mc:Choice Requires="p14">
           <p:contentPart p14:bwMode="auto" r:id="rId5">
             <p14:nvContentPartPr>
               <p14:cNvPr id="3" name="Ink 2">
@@ -11032,7 +11048,7 @@
             </p14:xfrm>
           </p:contentPart>
         </mc:Choice>
-        <mc:Fallback>
+        <mc:Fallback xmlns="">
           <p:pic>
             <p:nvPicPr>
               <p:cNvPr id="3" name="Ink 2">
